--- a/src/Images/Imagebuilder.pptx
+++ b/src/Images/Imagebuilder.pptx
@@ -8,6 +8,7 @@
     <p:sldId id="256" r:id="rId2"/>
     <p:sldId id="257" r:id="rId3"/>
     <p:sldId id="258" r:id="rId4"/>
+    <p:sldId id="259" r:id="rId5"/>
   </p:sldIdLst>
   <p:sldSz cx="12192000" cy="6858000"/>
   <p:notesSz cx="6858000" cy="9144000"/>
@@ -106,6 +107,11 @@
       </a:defRPr>
     </a:lvl9pPr>
   </p:defaultTextStyle>
+  <p:extLst>
+    <p:ext uri="{EFAFB233-063F-42B5-8137-9DF3F51BA10A}">
+      <p15:sldGuideLst xmlns:p15="http://schemas.microsoft.com/office/powerpoint/2012/main"/>
+    </p:ext>
+  </p:extLst>
 </p:presentation>
 </file>
 
@@ -256,7 +262,7 @@
           <a:p>
             <a:fld id="{16491438-4FEB-4885-9089-B4F56924ECE8}" type="datetimeFigureOut">
               <a:rPr lang="en-US" smtClean="0"/>
-              <a:t>1/15/2021</a:t>
+              <a:t>1/16/2021</a:t>
             </a:fld>
             <a:endParaRPr lang="en-US"/>
           </a:p>
@@ -454,7 +460,7 @@
           <a:p>
             <a:fld id="{16491438-4FEB-4885-9089-B4F56924ECE8}" type="datetimeFigureOut">
               <a:rPr lang="en-US" smtClean="0"/>
-              <a:t>1/15/2021</a:t>
+              <a:t>1/16/2021</a:t>
             </a:fld>
             <a:endParaRPr lang="en-US"/>
           </a:p>
@@ -662,7 +668,7 @@
           <a:p>
             <a:fld id="{16491438-4FEB-4885-9089-B4F56924ECE8}" type="datetimeFigureOut">
               <a:rPr lang="en-US" smtClean="0"/>
-              <a:t>1/15/2021</a:t>
+              <a:t>1/16/2021</a:t>
             </a:fld>
             <a:endParaRPr lang="en-US"/>
           </a:p>
@@ -860,7 +866,7 @@
           <a:p>
             <a:fld id="{16491438-4FEB-4885-9089-B4F56924ECE8}" type="datetimeFigureOut">
               <a:rPr lang="en-US" smtClean="0"/>
-              <a:t>1/15/2021</a:t>
+              <a:t>1/16/2021</a:t>
             </a:fld>
             <a:endParaRPr lang="en-US"/>
           </a:p>
@@ -1135,7 +1141,7 @@
           <a:p>
             <a:fld id="{16491438-4FEB-4885-9089-B4F56924ECE8}" type="datetimeFigureOut">
               <a:rPr lang="en-US" smtClean="0"/>
-              <a:t>1/15/2021</a:t>
+              <a:t>1/16/2021</a:t>
             </a:fld>
             <a:endParaRPr lang="en-US"/>
           </a:p>
@@ -1400,7 +1406,7 @@
           <a:p>
             <a:fld id="{16491438-4FEB-4885-9089-B4F56924ECE8}" type="datetimeFigureOut">
               <a:rPr lang="en-US" smtClean="0"/>
-              <a:t>1/15/2021</a:t>
+              <a:t>1/16/2021</a:t>
             </a:fld>
             <a:endParaRPr lang="en-US"/>
           </a:p>
@@ -1812,7 +1818,7 @@
           <a:p>
             <a:fld id="{16491438-4FEB-4885-9089-B4F56924ECE8}" type="datetimeFigureOut">
               <a:rPr lang="en-US" smtClean="0"/>
-              <a:t>1/15/2021</a:t>
+              <a:t>1/16/2021</a:t>
             </a:fld>
             <a:endParaRPr lang="en-US"/>
           </a:p>
@@ -1953,7 +1959,7 @@
           <a:p>
             <a:fld id="{16491438-4FEB-4885-9089-B4F56924ECE8}" type="datetimeFigureOut">
               <a:rPr lang="en-US" smtClean="0"/>
-              <a:t>1/15/2021</a:t>
+              <a:t>1/16/2021</a:t>
             </a:fld>
             <a:endParaRPr lang="en-US"/>
           </a:p>
@@ -2066,7 +2072,7 @@
           <a:p>
             <a:fld id="{16491438-4FEB-4885-9089-B4F56924ECE8}" type="datetimeFigureOut">
               <a:rPr lang="en-US" smtClean="0"/>
-              <a:t>1/15/2021</a:t>
+              <a:t>1/16/2021</a:t>
             </a:fld>
             <a:endParaRPr lang="en-US"/>
           </a:p>
@@ -2377,7 +2383,7 @@
           <a:p>
             <a:fld id="{16491438-4FEB-4885-9089-B4F56924ECE8}" type="datetimeFigureOut">
               <a:rPr lang="en-US" smtClean="0"/>
-              <a:t>1/15/2021</a:t>
+              <a:t>1/16/2021</a:t>
             </a:fld>
             <a:endParaRPr lang="en-US"/>
           </a:p>
@@ -2665,7 +2671,7 @@
           <a:p>
             <a:fld id="{16491438-4FEB-4885-9089-B4F56924ECE8}" type="datetimeFigureOut">
               <a:rPr lang="en-US" smtClean="0"/>
-              <a:t>1/15/2021</a:t>
+              <a:t>1/16/2021</a:t>
             </a:fld>
             <a:endParaRPr lang="en-US"/>
           </a:p>
@@ -2906,7 +2912,7 @@
           <a:p>
             <a:fld id="{16491438-4FEB-4885-9089-B4F56924ECE8}" type="datetimeFigureOut">
               <a:rPr lang="en-US" smtClean="0"/>
-              <a:t>1/15/2021</a:t>
+              <a:t>1/16/2021</a:t>
             </a:fld>
             <a:endParaRPr lang="en-US"/>
           </a:p>
@@ -4168,6 +4174,131 @@
 </p:sld>
 </file>
 
+<file path=ppt/slides/slide4.xml><?xml version="1.0" encoding="utf-8"?>
+<p:sld xmlns:a="http://schemas.openxmlformats.org/drawingml/2006/main" xmlns:r="http://schemas.openxmlformats.org/officeDocument/2006/relationships" xmlns:p="http://schemas.openxmlformats.org/presentationml/2006/main">
+  <p:cSld>
+    <p:spTree>
+      <p:nvGrpSpPr>
+        <p:cNvPr id="1" name=""/>
+        <p:cNvGrpSpPr/>
+        <p:nvPr/>
+      </p:nvGrpSpPr>
+      <p:grpSpPr>
+        <a:xfrm>
+          <a:off x="0" y="0"/>
+          <a:ext cx="0" cy="0"/>
+          <a:chOff x="0" y="0"/>
+          <a:chExt cx="0" cy="0"/>
+        </a:xfrm>
+      </p:grpSpPr>
+      <p:pic>
+        <p:nvPicPr>
+          <p:cNvPr id="13" name="Picture 12">
+            <a:extLst>
+              <a:ext uri="{FF2B5EF4-FFF2-40B4-BE49-F238E27FC236}">
+                <a16:creationId xmlns:a16="http://schemas.microsoft.com/office/drawing/2014/main" id="{9F499D7A-9FB7-4F95-9B44-14DB7AD758B2}"/>
+              </a:ext>
+            </a:extLst>
+          </p:cNvPr>
+          <p:cNvPicPr>
+            <a:picLocks noChangeAspect="1"/>
+          </p:cNvPicPr>
+          <p:nvPr/>
+        </p:nvPicPr>
+        <p:blipFill>
+          <a:blip r:embed="rId2">
+            <a:extLst>
+              <a:ext uri="{28A0092B-C50C-407E-A947-70E740481C1C}">
+                <a14:useLocalDpi xmlns:a14="http://schemas.microsoft.com/office/drawing/2010/main" val="0"/>
+              </a:ext>
+            </a:extLst>
+          </a:blip>
+          <a:srcRect/>
+          <a:stretch/>
+        </p:blipFill>
+        <p:spPr>
+          <a:xfrm>
+            <a:off x="2476500" y="953095"/>
+            <a:ext cx="7238999" cy="4400550"/>
+          </a:xfrm>
+          <a:prstGeom prst="rect">
+            <a:avLst/>
+          </a:prstGeom>
+        </p:spPr>
+      </p:pic>
+      <p:pic>
+        <p:nvPicPr>
+          <p:cNvPr id="23" name="Picture 22">
+            <a:extLst>
+              <a:ext uri="{FF2B5EF4-FFF2-40B4-BE49-F238E27FC236}">
+                <a16:creationId xmlns:a16="http://schemas.microsoft.com/office/drawing/2014/main" id="{6D3705A1-3F33-487B-A7DE-05C5EEA5E41A}"/>
+              </a:ext>
+            </a:extLst>
+          </p:cNvPr>
+          <p:cNvPicPr>
+            <a:picLocks noChangeAspect="1"/>
+          </p:cNvPicPr>
+          <p:nvPr/>
+        </p:nvPicPr>
+        <p:blipFill>
+          <a:blip r:embed="rId3"/>
+          <a:stretch>
+            <a:fillRect/>
+          </a:stretch>
+        </p:blipFill>
+        <p:spPr>
+          <a:xfrm>
+            <a:off x="2476500" y="2557850"/>
+            <a:ext cx="7239000" cy="815546"/>
+          </a:xfrm>
+          <a:prstGeom prst="rect">
+            <a:avLst/>
+          </a:prstGeom>
+        </p:spPr>
+      </p:pic>
+      <p:pic>
+        <p:nvPicPr>
+          <p:cNvPr id="25" name="Picture 24">
+            <a:extLst>
+              <a:ext uri="{FF2B5EF4-FFF2-40B4-BE49-F238E27FC236}">
+                <a16:creationId xmlns:a16="http://schemas.microsoft.com/office/drawing/2014/main" id="{8520DF09-5648-426E-908A-935A53AFDBC4}"/>
+              </a:ext>
+            </a:extLst>
+          </p:cNvPr>
+          <p:cNvPicPr>
+            <a:picLocks noChangeAspect="1"/>
+          </p:cNvPicPr>
+          <p:nvPr/>
+        </p:nvPicPr>
+        <p:blipFill>
+          <a:blip r:embed="rId3"/>
+          <a:stretch>
+            <a:fillRect/>
+          </a:stretch>
+        </p:blipFill>
+        <p:spPr>
+          <a:xfrm>
+            <a:off x="2476500" y="3373396"/>
+            <a:ext cx="7239000" cy="752475"/>
+          </a:xfrm>
+          <a:prstGeom prst="rect">
+            <a:avLst/>
+          </a:prstGeom>
+        </p:spPr>
+      </p:pic>
+    </p:spTree>
+    <p:extLst>
+      <p:ext uri="{BB962C8B-B14F-4D97-AF65-F5344CB8AC3E}">
+        <p14:creationId xmlns:p14="http://schemas.microsoft.com/office/powerpoint/2010/main" val="2613306288"/>
+      </p:ext>
+    </p:extLst>
+  </p:cSld>
+  <p:clrMapOvr>
+    <a:masterClrMapping/>
+  </p:clrMapOvr>
+</p:sld>
+</file>
+
 <file path=ppt/theme/theme1.xml><?xml version="1.0" encoding="utf-8"?>
 <a:theme xmlns:a="http://schemas.openxmlformats.org/drawingml/2006/main" name="Office Theme">
   <a:themeElements>

--- a/src/Images/Imagebuilder.pptx
+++ b/src/Images/Imagebuilder.pptx
@@ -5,10 +5,10 @@
     <p:sldMasterId id="2147483648" r:id="rId1"/>
   </p:sldMasterIdLst>
   <p:sldIdLst>
-    <p:sldId id="256" r:id="rId2"/>
-    <p:sldId id="257" r:id="rId3"/>
-    <p:sldId id="258" r:id="rId4"/>
-    <p:sldId id="259" r:id="rId5"/>
+    <p:sldId id="257" r:id="rId2"/>
+    <p:sldId id="258" r:id="rId3"/>
+    <p:sldId id="259" r:id="rId4"/>
+    <p:sldId id="260" r:id="rId5"/>
   </p:sldIdLst>
   <p:sldSz cx="12192000" cy="6858000"/>
   <p:notesSz cx="6858000" cy="9144000"/>
@@ -262,7 +262,7 @@
           <a:p>
             <a:fld id="{16491438-4FEB-4885-9089-B4F56924ECE8}" type="datetimeFigureOut">
               <a:rPr lang="en-US" smtClean="0"/>
-              <a:t>1/16/2021</a:t>
+              <a:t>2/20/2021</a:t>
             </a:fld>
             <a:endParaRPr lang="en-US"/>
           </a:p>
@@ -460,7 +460,7 @@
           <a:p>
             <a:fld id="{16491438-4FEB-4885-9089-B4F56924ECE8}" type="datetimeFigureOut">
               <a:rPr lang="en-US" smtClean="0"/>
-              <a:t>1/16/2021</a:t>
+              <a:t>2/20/2021</a:t>
             </a:fld>
             <a:endParaRPr lang="en-US"/>
           </a:p>
@@ -668,7 +668,7 @@
           <a:p>
             <a:fld id="{16491438-4FEB-4885-9089-B4F56924ECE8}" type="datetimeFigureOut">
               <a:rPr lang="en-US" smtClean="0"/>
-              <a:t>1/16/2021</a:t>
+              <a:t>2/20/2021</a:t>
             </a:fld>
             <a:endParaRPr lang="en-US"/>
           </a:p>
@@ -866,7 +866,7 @@
           <a:p>
             <a:fld id="{16491438-4FEB-4885-9089-B4F56924ECE8}" type="datetimeFigureOut">
               <a:rPr lang="en-US" smtClean="0"/>
-              <a:t>1/16/2021</a:t>
+              <a:t>2/20/2021</a:t>
             </a:fld>
             <a:endParaRPr lang="en-US"/>
           </a:p>
@@ -1141,7 +1141,7 @@
           <a:p>
             <a:fld id="{16491438-4FEB-4885-9089-B4F56924ECE8}" type="datetimeFigureOut">
               <a:rPr lang="en-US" smtClean="0"/>
-              <a:t>1/16/2021</a:t>
+              <a:t>2/20/2021</a:t>
             </a:fld>
             <a:endParaRPr lang="en-US"/>
           </a:p>
@@ -1406,7 +1406,7 @@
           <a:p>
             <a:fld id="{16491438-4FEB-4885-9089-B4F56924ECE8}" type="datetimeFigureOut">
               <a:rPr lang="en-US" smtClean="0"/>
-              <a:t>1/16/2021</a:t>
+              <a:t>2/20/2021</a:t>
             </a:fld>
             <a:endParaRPr lang="en-US"/>
           </a:p>
@@ -1818,7 +1818,7 @@
           <a:p>
             <a:fld id="{16491438-4FEB-4885-9089-B4F56924ECE8}" type="datetimeFigureOut">
               <a:rPr lang="en-US" smtClean="0"/>
-              <a:t>1/16/2021</a:t>
+              <a:t>2/20/2021</a:t>
             </a:fld>
             <a:endParaRPr lang="en-US"/>
           </a:p>
@@ -1959,7 +1959,7 @@
           <a:p>
             <a:fld id="{16491438-4FEB-4885-9089-B4F56924ECE8}" type="datetimeFigureOut">
               <a:rPr lang="en-US" smtClean="0"/>
-              <a:t>1/16/2021</a:t>
+              <a:t>2/20/2021</a:t>
             </a:fld>
             <a:endParaRPr lang="en-US"/>
           </a:p>
@@ -2072,7 +2072,7 @@
           <a:p>
             <a:fld id="{16491438-4FEB-4885-9089-B4F56924ECE8}" type="datetimeFigureOut">
               <a:rPr lang="en-US" smtClean="0"/>
-              <a:t>1/16/2021</a:t>
+              <a:t>2/20/2021</a:t>
             </a:fld>
             <a:endParaRPr lang="en-US"/>
           </a:p>
@@ -2383,7 +2383,7 @@
           <a:p>
             <a:fld id="{16491438-4FEB-4885-9089-B4F56924ECE8}" type="datetimeFigureOut">
               <a:rPr lang="en-US" smtClean="0"/>
-              <a:t>1/16/2021</a:t>
+              <a:t>2/20/2021</a:t>
             </a:fld>
             <a:endParaRPr lang="en-US"/>
           </a:p>
@@ -2671,7 +2671,7 @@
           <a:p>
             <a:fld id="{16491438-4FEB-4885-9089-B4F56924ECE8}" type="datetimeFigureOut">
               <a:rPr lang="en-US" smtClean="0"/>
-              <a:t>1/16/2021</a:t>
+              <a:t>2/20/2021</a:t>
             </a:fld>
             <a:endParaRPr lang="en-US"/>
           </a:p>
@@ -2912,7 +2912,7 @@
           <a:p>
             <a:fld id="{16491438-4FEB-4885-9089-B4F56924ECE8}" type="datetimeFigureOut">
               <a:rPr lang="en-US" smtClean="0"/>
-              <a:t>1/16/2021</a:t>
+              <a:t>2/20/2021</a:t>
             </a:fld>
             <a:endParaRPr lang="en-US"/>
           </a:p>
@@ -3329,86 +3329,6 @@
           <a:chExt cx="0" cy="0"/>
         </a:xfrm>
       </p:grpSpPr>
-      <p:sp>
-        <p:nvSpPr>
-          <p:cNvPr id="2" name="Title 1">
-            <a:extLst>
-              <a:ext uri="{FF2B5EF4-FFF2-40B4-BE49-F238E27FC236}">
-                <a16:creationId xmlns:a16="http://schemas.microsoft.com/office/drawing/2014/main" id="{5E5CBB37-4341-4D57-B40D-C82EBCE01170}"/>
-              </a:ext>
-            </a:extLst>
-          </p:cNvPr>
-          <p:cNvSpPr>
-            <a:spLocks noGrp="1"/>
-          </p:cNvSpPr>
-          <p:nvPr>
-            <p:ph type="ctrTitle"/>
-          </p:nvPr>
-        </p:nvSpPr>
-        <p:spPr/>
-        <p:txBody>
-          <a:bodyPr/>
-          <a:lstStyle/>
-          <a:p>
-            <a:endParaRPr lang="en-US"/>
-          </a:p>
-        </p:txBody>
-      </p:sp>
-      <p:sp>
-        <p:nvSpPr>
-          <p:cNvPr id="3" name="Subtitle 2">
-            <a:extLst>
-              <a:ext uri="{FF2B5EF4-FFF2-40B4-BE49-F238E27FC236}">
-                <a16:creationId xmlns:a16="http://schemas.microsoft.com/office/drawing/2014/main" id="{3B250B18-A5EA-4B24-A905-5223567945CC}"/>
-              </a:ext>
-            </a:extLst>
-          </p:cNvPr>
-          <p:cNvSpPr>
-            <a:spLocks noGrp="1"/>
-          </p:cNvSpPr>
-          <p:nvPr>
-            <p:ph type="subTitle" idx="1"/>
-          </p:nvPr>
-        </p:nvSpPr>
-        <p:spPr/>
-        <p:txBody>
-          <a:bodyPr/>
-          <a:lstStyle/>
-          <a:p>
-            <a:endParaRPr lang="en-US"/>
-          </a:p>
-        </p:txBody>
-      </p:sp>
-    </p:spTree>
-    <p:extLst>
-      <p:ext uri="{BB962C8B-B14F-4D97-AF65-F5344CB8AC3E}">
-        <p14:creationId xmlns:p14="http://schemas.microsoft.com/office/powerpoint/2010/main" val="2763189961"/>
-      </p:ext>
-    </p:extLst>
-  </p:cSld>
-  <p:clrMapOvr>
-    <a:masterClrMapping/>
-  </p:clrMapOvr>
-</p:sld>
-</file>
-
-<file path=ppt/slides/slide2.xml><?xml version="1.0" encoding="utf-8"?>
-<p:sld xmlns:a="http://schemas.openxmlformats.org/drawingml/2006/main" xmlns:r="http://schemas.openxmlformats.org/officeDocument/2006/relationships" xmlns:p="http://schemas.openxmlformats.org/presentationml/2006/main">
-  <p:cSld>
-    <p:spTree>
-      <p:nvGrpSpPr>
-        <p:cNvPr id="1" name=""/>
-        <p:cNvGrpSpPr/>
-        <p:nvPr/>
-      </p:nvGrpSpPr>
-      <p:grpSpPr>
-        <a:xfrm>
-          <a:off x="0" y="0"/>
-          <a:ext cx="0" cy="0"/>
-          <a:chOff x="0" y="0"/>
-          <a:chExt cx="0" cy="0"/>
-        </a:xfrm>
-      </p:grpSpPr>
       <p:pic>
         <p:nvPicPr>
           <p:cNvPr id="5" name="Picture 4" descr="Shape&#10;&#10;Description automatically generated with low confidence">
@@ -3762,7 +3682,7 @@
 </p:sld>
 </file>
 
-<file path=ppt/slides/slide3.xml><?xml version="1.0" encoding="utf-8"?>
+<file path=ppt/slides/slide2.xml><?xml version="1.0" encoding="utf-8"?>
 <p:sld xmlns:a="http://schemas.openxmlformats.org/drawingml/2006/main" xmlns:r="http://schemas.openxmlformats.org/officeDocument/2006/relationships" xmlns:p="http://schemas.openxmlformats.org/presentationml/2006/main">
   <p:cSld>
     <p:spTree>
@@ -4174,7 +4094,7 @@
 </p:sld>
 </file>
 
-<file path=ppt/slides/slide4.xml><?xml version="1.0" encoding="utf-8"?>
+<file path=ppt/slides/slide3.xml><?xml version="1.0" encoding="utf-8"?>
 <p:sld xmlns:a="http://schemas.openxmlformats.org/drawingml/2006/main" xmlns:r="http://schemas.openxmlformats.org/officeDocument/2006/relationships" xmlns:p="http://schemas.openxmlformats.org/presentationml/2006/main">
   <p:cSld>
     <p:spTree>
@@ -4290,6 +4210,36 @@
     <p:extLst>
       <p:ext uri="{BB962C8B-B14F-4D97-AF65-F5344CB8AC3E}">
         <p14:creationId xmlns:p14="http://schemas.microsoft.com/office/powerpoint/2010/main" val="2613306288"/>
+      </p:ext>
+    </p:extLst>
+  </p:cSld>
+  <p:clrMapOvr>
+    <a:masterClrMapping/>
+  </p:clrMapOvr>
+</p:sld>
+</file>
+
+<file path=ppt/slides/slide4.xml><?xml version="1.0" encoding="utf-8"?>
+<p:sld xmlns:a="http://schemas.openxmlformats.org/drawingml/2006/main" xmlns:r="http://schemas.openxmlformats.org/officeDocument/2006/relationships" xmlns:p="http://schemas.openxmlformats.org/presentationml/2006/main">
+  <p:cSld>
+    <p:spTree>
+      <p:nvGrpSpPr>
+        <p:cNvPr id="1" name=""/>
+        <p:cNvGrpSpPr/>
+        <p:nvPr/>
+      </p:nvGrpSpPr>
+      <p:grpSpPr>
+        <a:xfrm>
+          <a:off x="0" y="0"/>
+          <a:ext cx="0" cy="0"/>
+          <a:chOff x="0" y="0"/>
+          <a:chExt cx="0" cy="0"/>
+        </a:xfrm>
+      </p:grpSpPr>
+    </p:spTree>
+    <p:extLst>
+      <p:ext uri="{BB962C8B-B14F-4D97-AF65-F5344CB8AC3E}">
+        <p14:creationId xmlns:p14="http://schemas.microsoft.com/office/powerpoint/2010/main" val="1173177893"/>
       </p:ext>
     </p:extLst>
   </p:cSld>
